--- a/Azure 45 Services 45 Minutes.pptx
+++ b/Azure 45 Services 45 Minutes.pptx
@@ -280,7 +280,7 @@
           <a:p>
             <a:fld id="{78D5E657-C75E-4190-B3C3-105C9C4260DF}" type="datetimeFigureOut">
               <a:rPr lang="en-AU" smtClean="0"/>
-              <a:t>16/04/2016</a:t>
+              <a:t>18/04/2016</a:t>
             </a:fld>
             <a:endParaRPr lang="en-AU"/>
           </a:p>
@@ -445,7 +445,7 @@
           <a:p>
             <a:fld id="{B2842A88-9C46-4A82-BC64-6521039314F7}" type="datetimeFigureOut">
               <a:rPr lang="en-AU" smtClean="0"/>
-              <a:t>16/04/2016</a:t>
+              <a:t>18/04/2016</a:t>
             </a:fld>
             <a:endParaRPr lang="en-AU"/>
           </a:p>
@@ -763,6 +763,9 @@
             </a:r>
           </a:p>
           <a:p>
+            <a:endParaRPr lang="en-AU" dirty="0"/>
+          </a:p>
+          <a:p>
             <a:r>
               <a:rPr lang="en-AU" dirty="0"/>
               <a:t>We</a:t>
@@ -778,7 +781,13 @@
           <a:p>
             <a:r>
               <a:rPr lang="en-AU" baseline="0" dirty="0"/>
-              <a:t>If you can’t keep up, don’t worry, I’ll send you the slide deck, but it’s probably out of date by the time you have a chance to open it on your machines.</a:t>
+              <a:t>If you can’t keep up, don’t worry, I’ll send you the slide deck, but it’s probably out of date by the time you have a chance to open it on your machines </a:t>
+            </a:r>
+            <a:r>
+              <a:rPr lang="en-AU" baseline="0" dirty="0">
+                <a:sym typeface="Wingdings" panose="05000000000000000000" pitchFamily="2" charset="2"/>
+              </a:rPr>
+              <a:t>;)</a:t>
             </a:r>
             <a:endParaRPr lang="en-GB" dirty="0"/>
           </a:p>
@@ -1063,15 +1072,8 @@
             </a:r>
             <a:r>
               <a:rPr lang="en-AU" dirty="0"/>
-              <a:t> for years – not as true anymore!</a:t>
-            </a:r>
-          </a:p>
-          <a:p>
-            <a:r>
-              <a:rPr lang="en-AU" dirty="0"/>
-              <a:t>Database throughput unit</a:t>
-            </a:r>
-            <a:endParaRPr lang="en-GB" dirty="0"/>
+              <a:t> for years – not as true anymore! Still need to consider retry logic.</a:t>
+            </a:r>
           </a:p>
         </p:txBody>
       </p:sp>
@@ -1819,7 +1821,7 @@
           <a:p>
             <a:r>
               <a:rPr lang="en-AU" baseline="0" dirty="0"/>
-              <a:t>What do you want to get out of this – at least understand the first one or two services in each group.</a:t>
+              <a:t>What do you want to get out of this if you’re new to Azure – at least understand the first one or two services in each group. Existing – pick a few you don’t know about and ask me afterwards!</a:t>
             </a:r>
             <a:endParaRPr lang="en-GB" dirty="0"/>
           </a:p>
@@ -1989,16 +1991,6 @@
           <a:bodyPr/>
           <a:lstStyle/>
           <a:p>
-            <a:r>
-              <a:rPr lang="en-AU" dirty="0"/>
-              <a:t>What just happened? Take a break? No time </a:t>
-            </a:r>
-            <a:r>
-              <a:rPr lang="en-AU" dirty="0">
-                <a:sym typeface="Wingdings" panose="05000000000000000000" pitchFamily="2" charset="2"/>
-              </a:rPr>
-              <a:t></a:t>
-            </a:r>
             <a:endParaRPr lang="en-GB" dirty="0"/>
           </a:p>
         </p:txBody>
@@ -2435,16 +2427,6 @@
           <a:bodyPr/>
           <a:lstStyle/>
           <a:p>
-            <a:r>
-              <a:rPr lang="en-AU" dirty="0"/>
-              <a:t>What just happened? Take a break? No time </a:t>
-            </a:r>
-            <a:r>
-              <a:rPr lang="en-AU" dirty="0">
-                <a:sym typeface="Wingdings" panose="05000000000000000000" pitchFamily="2" charset="2"/>
-              </a:rPr>
-              <a:t></a:t>
-            </a:r>
             <a:endParaRPr lang="en-GB" dirty="0"/>
           </a:p>
         </p:txBody>
@@ -2529,14 +2511,6 @@
           <a:bodyPr/>
           <a:lstStyle/>
           <a:p>
-            <a:r>
-              <a:rPr lang="en-AU" dirty="0" err="1"/>
-              <a:t>Shoutout</a:t>
-            </a:r>
-            <a:r>
-              <a:rPr lang="en-AU" dirty="0"/>
-              <a:t> to Martin Abbott on this one!</a:t>
-            </a:r>
             <a:endParaRPr lang="en-GB" dirty="0"/>
           </a:p>
         </p:txBody>
@@ -2621,14 +2595,6 @@
           <a:bodyPr/>
           <a:lstStyle/>
           <a:p>
-            <a:r>
-              <a:rPr lang="en-AU" dirty="0" err="1"/>
-              <a:t>Shoutout</a:t>
-            </a:r>
-            <a:r>
-              <a:rPr lang="en-AU" dirty="0"/>
-              <a:t> to Martin Abbott on this one!</a:t>
-            </a:r>
             <a:endParaRPr lang="en-GB" dirty="0"/>
           </a:p>
         </p:txBody>
@@ -2713,14 +2679,6 @@
           <a:bodyPr/>
           <a:lstStyle/>
           <a:p>
-            <a:r>
-              <a:rPr lang="en-AU" dirty="0" err="1"/>
-              <a:t>Shoutout</a:t>
-            </a:r>
-            <a:r>
-              <a:rPr lang="en-AU" dirty="0"/>
-              <a:t> to Martin Abbott on this one!</a:t>
-            </a:r>
             <a:endParaRPr lang="en-GB" dirty="0"/>
           </a:p>
         </p:txBody>
@@ -2807,32 +2765,30 @@
           <a:p>
             <a:r>
               <a:rPr lang="en-AU" dirty="0"/>
-              <a:t>First thing you think of when you’re new to cloud. </a:t>
-            </a:r>
-            <a:r>
-              <a:rPr lang="en-AU" dirty="0" err="1"/>
-              <a:t>Equivalient</a:t>
-            </a:r>
-            <a:r>
-              <a:rPr lang="en-AU" dirty="0"/>
-              <a:t> of an on-premises Virtual Machine,</a:t>
+              <a:t>First thing you think of when you’re new to cloud. Equivalent of an on-premises Virtual Machine,</a:t>
             </a:r>
             <a:r>
               <a:rPr lang="en-AU" baseline="0" dirty="0"/>
-              <a:t> with a dedicated amount of resources. You can spin these up at the click of a button</a:t>
-            </a:r>
-            <a:r>
-              <a:rPr lang="en-AU" baseline="0" dirty="0" smtClean="0"/>
-              <a:t>.</a:t>
-            </a:r>
-          </a:p>
-          <a:p>
-            <a:endParaRPr lang="en-AU" baseline="0" dirty="0" smtClean="0"/>
-          </a:p>
-          <a:p>
-            <a:r>
-              <a:rPr lang="en-AU" baseline="0" dirty="0" smtClean="0"/>
-              <a:t>Gavin’s point – architecting for the cloud.</a:t>
+              <a:t> with a dedicated amount of resources. You can spin these up at the click of a button.</a:t>
+            </a:r>
+          </a:p>
+          <a:p>
+            <a:endParaRPr lang="en-AU" baseline="0" dirty="0"/>
+          </a:p>
+          <a:p>
+            <a:r>
+              <a:rPr lang="en-AU" baseline="0" dirty="0"/>
+              <a:t>Hard to scale out multiple instances on a VM because you need to make an image for each and it gets tricky when you want to make changes.</a:t>
+            </a:r>
+            <a:endParaRPr lang="en-GB" dirty="0"/>
+          </a:p>
+          <a:p>
+            <a:endParaRPr lang="en-AU" baseline="0" dirty="0"/>
+          </a:p>
+          <a:p>
+            <a:r>
+              <a:rPr lang="en-AU" baseline="0" dirty="0"/>
+              <a:t>Relevant to Gavin’s upcoming talk on – architecting for the cloud as opposed to using it as a place you deploy.</a:t>
             </a:r>
             <a:endParaRPr lang="en-GB" dirty="0"/>
           </a:p>
@@ -2918,14 +2874,6 @@
           <a:bodyPr/>
           <a:lstStyle/>
           <a:p>
-            <a:r>
-              <a:rPr lang="en-AU" dirty="0" err="1"/>
-              <a:t>Shoutout</a:t>
-            </a:r>
-            <a:r>
-              <a:rPr lang="en-AU" dirty="0"/>
-              <a:t> to Martin Abbott on this one!</a:t>
-            </a:r>
             <a:endParaRPr lang="en-GB" dirty="0"/>
           </a:p>
         </p:txBody>
@@ -3010,14 +2958,6 @@
           <a:bodyPr/>
           <a:lstStyle/>
           <a:p>
-            <a:r>
-              <a:rPr lang="en-AU" dirty="0" err="1"/>
-              <a:t>Shoutout</a:t>
-            </a:r>
-            <a:r>
-              <a:rPr lang="en-AU" dirty="0"/>
-              <a:t> to Martin Abbott on this one!</a:t>
-            </a:r>
             <a:endParaRPr lang="en-GB" dirty="0"/>
           </a:p>
         </p:txBody>
@@ -3102,16 +3042,6 @@
           <a:bodyPr/>
           <a:lstStyle/>
           <a:p>
-            <a:r>
-              <a:rPr lang="en-AU" dirty="0"/>
-              <a:t>What just happened? Take a break? No time </a:t>
-            </a:r>
-            <a:r>
-              <a:rPr lang="en-AU" dirty="0">
-                <a:sym typeface="Wingdings" panose="05000000000000000000" pitchFamily="2" charset="2"/>
-              </a:rPr>
-              <a:t></a:t>
-            </a:r>
             <a:endParaRPr lang="en-GB" dirty="0"/>
           </a:p>
         </p:txBody>
@@ -3196,14 +3126,6 @@
           <a:bodyPr/>
           <a:lstStyle/>
           <a:p>
-            <a:r>
-              <a:rPr lang="en-AU" dirty="0" err="1"/>
-              <a:t>Shoutout</a:t>
-            </a:r>
-            <a:r>
-              <a:rPr lang="en-AU" dirty="0"/>
-              <a:t> to Martin Abbott on this one!</a:t>
-            </a:r>
             <a:endParaRPr lang="en-GB" dirty="0"/>
           </a:p>
         </p:txBody>
@@ -3288,14 +3210,6 @@
           <a:bodyPr/>
           <a:lstStyle/>
           <a:p>
-            <a:r>
-              <a:rPr lang="en-AU" dirty="0" err="1"/>
-              <a:t>Shoutout</a:t>
-            </a:r>
-            <a:r>
-              <a:rPr lang="en-AU" dirty="0"/>
-              <a:t> to Martin Abbott on this one!</a:t>
-            </a:r>
             <a:endParaRPr lang="en-GB" dirty="0"/>
           </a:p>
         </p:txBody>
@@ -3380,16 +3294,6 @@
           <a:bodyPr/>
           <a:lstStyle/>
           <a:p>
-            <a:r>
-              <a:rPr lang="en-AU" dirty="0"/>
-              <a:t>What just happened? Take a break? No time </a:t>
-            </a:r>
-            <a:r>
-              <a:rPr lang="en-AU" dirty="0">
-                <a:sym typeface="Wingdings" panose="05000000000000000000" pitchFamily="2" charset="2"/>
-              </a:rPr>
-              <a:t></a:t>
-            </a:r>
             <a:endParaRPr lang="en-GB" dirty="0"/>
           </a:p>
         </p:txBody>
@@ -3474,14 +3378,6 @@
           <a:bodyPr/>
           <a:lstStyle/>
           <a:p>
-            <a:r>
-              <a:rPr lang="en-AU" dirty="0" err="1"/>
-              <a:t>Shoutout</a:t>
-            </a:r>
-            <a:r>
-              <a:rPr lang="en-AU" dirty="0"/>
-              <a:t> to Martin Abbott on this one!</a:t>
-            </a:r>
             <a:endParaRPr lang="en-GB" dirty="0"/>
           </a:p>
         </p:txBody>
@@ -3566,14 +3462,6 @@
           <a:bodyPr/>
           <a:lstStyle/>
           <a:p>
-            <a:r>
-              <a:rPr lang="en-AU" dirty="0" err="1"/>
-              <a:t>Shoutout</a:t>
-            </a:r>
-            <a:r>
-              <a:rPr lang="en-AU" dirty="0"/>
-              <a:t> to Martin Abbott on this one!</a:t>
-            </a:r>
             <a:endParaRPr lang="en-GB" dirty="0"/>
           </a:p>
         </p:txBody>
@@ -3658,14 +3546,6 @@
           <a:bodyPr/>
           <a:lstStyle/>
           <a:p>
-            <a:r>
-              <a:rPr lang="en-AU" dirty="0" err="1"/>
-              <a:t>Shoutout</a:t>
-            </a:r>
-            <a:r>
-              <a:rPr lang="en-AU" dirty="0"/>
-              <a:t> to Martin Abbott on this one!</a:t>
-            </a:r>
             <a:endParaRPr lang="en-GB" dirty="0"/>
           </a:p>
         </p:txBody>
@@ -3750,14 +3630,6 @@
           <a:bodyPr/>
           <a:lstStyle/>
           <a:p>
-            <a:r>
-              <a:rPr lang="en-AU" dirty="0" err="1"/>
-              <a:t>Shoutout</a:t>
-            </a:r>
-            <a:r>
-              <a:rPr lang="en-AU" dirty="0"/>
-              <a:t> to Martin Abbott on this one!</a:t>
-            </a:r>
             <a:endParaRPr lang="en-GB" dirty="0"/>
           </a:p>
         </p:txBody>
@@ -3848,13 +3720,7 @@
             </a:r>
             <a:r>
               <a:rPr lang="en-AU" baseline="0" dirty="0"/>
-              <a:t> services.</a:t>
-            </a:r>
-          </a:p>
-          <a:p>
-            <a:r>
-              <a:rPr lang="en-AU" baseline="0" dirty="0"/>
-              <a:t>Hard to scale out multiple instances on a VM because you need to make an image for each and it gets tricky when you want to make changes.</a:t>
+              <a:t> services. Deprecated but still important to know about.</a:t>
             </a:r>
             <a:endParaRPr lang="en-GB" dirty="0"/>
           </a:p>
@@ -3940,14 +3806,6 @@
           <a:bodyPr/>
           <a:lstStyle/>
           <a:p>
-            <a:r>
-              <a:rPr lang="en-AU" dirty="0" err="1"/>
-              <a:t>Shoutout</a:t>
-            </a:r>
-            <a:r>
-              <a:rPr lang="en-AU" dirty="0"/>
-              <a:t> to Martin Abbott on this one!</a:t>
-            </a:r>
             <a:endParaRPr lang="en-GB" dirty="0"/>
           </a:p>
         </p:txBody>
@@ -4032,14 +3890,6 @@
           <a:bodyPr/>
           <a:lstStyle/>
           <a:p>
-            <a:r>
-              <a:rPr lang="en-AU" dirty="0" err="1"/>
-              <a:t>Shoutout</a:t>
-            </a:r>
-            <a:r>
-              <a:rPr lang="en-AU" dirty="0"/>
-              <a:t> to Martin Abbott on this one!</a:t>
-            </a:r>
             <a:endParaRPr lang="en-GB" dirty="0"/>
           </a:p>
         </p:txBody>
@@ -4124,14 +3974,6 @@
           <a:bodyPr/>
           <a:lstStyle/>
           <a:p>
-            <a:r>
-              <a:rPr lang="en-AU" dirty="0" err="1"/>
-              <a:t>Shoutout</a:t>
-            </a:r>
-            <a:r>
-              <a:rPr lang="en-AU" dirty="0"/>
-              <a:t> to Martin Abbott on this one!</a:t>
-            </a:r>
             <a:endParaRPr lang="en-GB" dirty="0"/>
           </a:p>
         </p:txBody>
@@ -4216,16 +4058,6 @@
           <a:bodyPr/>
           <a:lstStyle/>
           <a:p>
-            <a:r>
-              <a:rPr lang="en-AU" dirty="0"/>
-              <a:t>What just happened? Take a break? No time </a:t>
-            </a:r>
-            <a:r>
-              <a:rPr lang="en-AU" dirty="0">
-                <a:sym typeface="Wingdings" panose="05000000000000000000" pitchFamily="2" charset="2"/>
-              </a:rPr>
-              <a:t></a:t>
-            </a:r>
             <a:endParaRPr lang="en-GB" dirty="0"/>
           </a:p>
         </p:txBody>
@@ -4398,14 +4230,6 @@
           <a:bodyPr/>
           <a:lstStyle/>
           <a:p>
-            <a:r>
-              <a:rPr lang="en-AU" dirty="0" err="1"/>
-              <a:t>Shoutout</a:t>
-            </a:r>
-            <a:r>
-              <a:rPr lang="en-AU" dirty="0"/>
-              <a:t> to Martin Abbott on this one!</a:t>
-            </a:r>
             <a:endParaRPr lang="en-GB" dirty="0"/>
           </a:p>
         </p:txBody>
@@ -4490,14 +4314,6 @@
           <a:bodyPr/>
           <a:lstStyle/>
           <a:p>
-            <a:r>
-              <a:rPr lang="en-AU" dirty="0" err="1"/>
-              <a:t>Shoutout</a:t>
-            </a:r>
-            <a:r>
-              <a:rPr lang="en-AU" dirty="0"/>
-              <a:t> to Martin Abbott on this one!</a:t>
-            </a:r>
             <a:endParaRPr lang="en-GB" dirty="0"/>
           </a:p>
         </p:txBody>
@@ -4582,14 +4398,6 @@
           <a:bodyPr/>
           <a:lstStyle/>
           <a:p>
-            <a:r>
-              <a:rPr lang="en-AU" dirty="0" err="1"/>
-              <a:t>Shoutout</a:t>
-            </a:r>
-            <a:r>
-              <a:rPr lang="en-AU" dirty="0"/>
-              <a:t> to Martin Abbott on this one!</a:t>
-            </a:r>
             <a:endParaRPr lang="en-GB" dirty="0"/>
           </a:p>
         </p:txBody>
@@ -4674,14 +4482,6 @@
           <a:bodyPr/>
           <a:lstStyle/>
           <a:p>
-            <a:r>
-              <a:rPr lang="en-AU" dirty="0" err="1"/>
-              <a:t>Shoutout</a:t>
-            </a:r>
-            <a:r>
-              <a:rPr lang="en-AU" dirty="0"/>
-              <a:t> to Martin Abbott on this one!</a:t>
-            </a:r>
             <a:endParaRPr lang="en-GB" dirty="0"/>
           </a:p>
         </p:txBody>
@@ -4766,14 +4566,6 @@
           <a:bodyPr/>
           <a:lstStyle/>
           <a:p>
-            <a:r>
-              <a:rPr lang="en-AU" dirty="0" err="1"/>
-              <a:t>Shoutout</a:t>
-            </a:r>
-            <a:r>
-              <a:rPr lang="en-AU" dirty="0"/>
-              <a:t> to Martin Abbott on this one!</a:t>
-            </a:r>
             <a:endParaRPr lang="en-GB" dirty="0"/>
           </a:p>
         </p:txBody>
@@ -4868,9 +4660,12 @@
             </a:r>
           </a:p>
           <a:p>
+            <a:endParaRPr lang="en-AU" baseline="0" dirty="0"/>
+          </a:p>
+          <a:p>
             <a:r>
               <a:rPr lang="en-AU" baseline="0" dirty="0"/>
-              <a:t>Clever things like projecting through copies of files in the host OS until containers differ, at which point they get their own copy.</a:t>
+              <a:t>Clever features like projecting through copies of files in the host OS until containers differ, at which point they get their own copy.</a:t>
             </a:r>
             <a:endParaRPr lang="en-GB" dirty="0"/>
           </a:p>
@@ -5044,14 +4839,6 @@
           <a:bodyPr/>
           <a:lstStyle/>
           <a:p>
-            <a:r>
-              <a:rPr lang="en-AU" dirty="0" err="1"/>
-              <a:t>Shoutout</a:t>
-            </a:r>
-            <a:r>
-              <a:rPr lang="en-AU" dirty="0"/>
-              <a:t> to Martin Abbott on this one!</a:t>
-            </a:r>
             <a:endParaRPr lang="en-GB" dirty="0"/>
           </a:p>
         </p:txBody>
@@ -5720,7 +5507,7 @@
             <a:fld id="{2AB80E0E-1F2C-4E6E-B168-928DCCD9FC96}" type="datetime1">
               <a:rPr lang="en-AU" smtClean="0"/>
               <a:pPr/>
-              <a:t>16/04/2016</a:t>
+              <a:t>18/04/2016</a:t>
             </a:fld>
             <a:endParaRPr lang="en-AU"/>
           </a:p>
@@ -6048,7 +5835,7 @@
             <a:fld id="{2AB80E0E-1F2C-4E6E-B168-928DCCD9FC96}" type="datetime1">
               <a:rPr lang="en-AU" smtClean="0"/>
               <a:pPr/>
-              <a:t>16/04/2016</a:t>
+              <a:t>18/04/2016</a:t>
             </a:fld>
             <a:endParaRPr lang="en-AU"/>
           </a:p>
@@ -6482,7 +6269,7 @@
           <a:p>
             <a:fld id="{81365592-B95A-4E1B-8688-B9BAC9237151}" type="datetime1">
               <a:rPr lang="en-AU" smtClean="0"/>
-              <a:t>16/04/2016</a:t>
+              <a:t>18/04/2016</a:t>
             </a:fld>
             <a:endParaRPr lang="en-AU"/>
           </a:p>
@@ -7271,7 +7058,7 @@
           <a:p>
             <a:fld id="{AD4CC7D5-0035-4193-9F83-5592C7C73289}" type="datetime1">
               <a:rPr lang="en-AU" smtClean="0"/>
-              <a:t>16/04/2016</a:t>
+              <a:t>18/04/2016</a:t>
             </a:fld>
             <a:endParaRPr lang="en-AU"/>
           </a:p>
@@ -9993,7 +9780,7 @@
           <a:p>
             <a:fld id="{AB9362CC-52A7-47E4-B186-2D952EF52122}" type="datetime1">
               <a:rPr lang="en-AU" smtClean="0"/>
-              <a:t>16/04/2016</a:t>
+              <a:t>18/04/2016</a:t>
             </a:fld>
             <a:endParaRPr lang="en-AU"/>
           </a:p>
@@ -10167,7 +9954,7 @@
           <a:p>
             <a:fld id="{1695342B-6DF4-46BE-B3B0-0C35B6698BA5}" type="datetime1">
               <a:rPr lang="en-AU" smtClean="0"/>
-              <a:t>16/04/2016</a:t>
+              <a:t>18/04/2016</a:t>
             </a:fld>
             <a:endParaRPr lang="en-AU"/>
           </a:p>
@@ -10593,7 +10380,7 @@
             <a:fld id="{2AB80E0E-1F2C-4E6E-B168-928DCCD9FC96}" type="datetime1">
               <a:rPr lang="en-AU" smtClean="0"/>
               <a:pPr/>
-              <a:t>16/04/2016</a:t>
+              <a:t>18/04/2016</a:t>
             </a:fld>
             <a:endParaRPr lang="en-AU" dirty="0"/>
           </a:p>
@@ -11001,7 +10788,7 @@
             <a:fld id="{2AB80E0E-1F2C-4E6E-B168-928DCCD9FC96}" type="datetime1">
               <a:rPr lang="en-AU" smtClean="0"/>
               <a:pPr/>
-              <a:t>16/04/2016</a:t>
+              <a:t>18/04/2016</a:t>
             </a:fld>
             <a:endParaRPr lang="en-AU" dirty="0"/>
           </a:p>
@@ -11409,7 +11196,7 @@
             <a:fld id="{2AB80E0E-1F2C-4E6E-B168-928DCCD9FC96}" type="datetime1">
               <a:rPr lang="en-AU" smtClean="0"/>
               <a:pPr/>
-              <a:t>16/04/2016</a:t>
+              <a:t>18/04/2016</a:t>
             </a:fld>
             <a:endParaRPr lang="en-AU" dirty="0"/>
           </a:p>
@@ -12034,7 +11821,7 @@
             <a:fld id="{2AB80E0E-1F2C-4E6E-B168-928DCCD9FC96}" type="datetime1">
               <a:rPr lang="en-AU" smtClean="0"/>
               <a:pPr/>
-              <a:t>16/04/2016</a:t>
+              <a:t>18/04/2016</a:t>
             </a:fld>
             <a:endParaRPr lang="en-AU" dirty="0"/>
           </a:p>
@@ -12442,7 +12229,7 @@
             <a:fld id="{2AB80E0E-1F2C-4E6E-B168-928DCCD9FC96}" type="datetime1">
               <a:rPr lang="en-AU" smtClean="0"/>
               <a:pPr/>
-              <a:t>16/04/2016</a:t>
+              <a:t>18/04/2016</a:t>
             </a:fld>
             <a:endParaRPr lang="en-AU"/>
           </a:p>
@@ -12850,7 +12637,7 @@
             <a:fld id="{2AB80E0E-1F2C-4E6E-B168-928DCCD9FC96}" type="datetime1">
               <a:rPr lang="en-AU" smtClean="0"/>
               <a:pPr/>
-              <a:t>16/04/2016</a:t>
+              <a:t>18/04/2016</a:t>
             </a:fld>
             <a:endParaRPr lang="en-AU"/>
           </a:p>
@@ -13303,7 +13090,7 @@
           <a:p>
             <a:fld id="{94480E61-56EE-4ADF-8779-ECE37FDE8329}" type="datetime1">
               <a:rPr lang="en-AU" smtClean="0"/>
-              <a:t>16/04/2016</a:t>
+              <a:t>18/04/2016</a:t>
             </a:fld>
             <a:endParaRPr lang="en-AU"/>
           </a:p>
@@ -13737,7 +13524,7 @@
           <a:p>
             <a:fld id="{18DF6330-03F8-4D88-A646-B563CDC9AF8D}" type="datetime1">
               <a:rPr lang="en-AU" smtClean="0"/>
-              <a:t>16/04/2016</a:t>
+              <a:t>18/04/2016</a:t>
             </a:fld>
             <a:endParaRPr lang="en-AU"/>
           </a:p>
@@ -14085,7 +13872,7 @@
           <a:p>
             <a:fld id="{D0044588-2A83-44A9-A3CC-C3B7B17A5165}" type="datetime1">
               <a:rPr lang="en-AU" smtClean="0"/>
-              <a:t>16/04/2016</a:t>
+              <a:t>18/04/2016</a:t>
             </a:fld>
             <a:endParaRPr lang="en-AU"/>
           </a:p>
@@ -14519,7 +14306,7 @@
           <a:p>
             <a:fld id="{41D22EE6-4B31-412E-8723-91D4ADC54A19}" type="datetime1">
               <a:rPr lang="en-AU" smtClean="0"/>
-              <a:t>16/04/2016</a:t>
+              <a:t>18/04/2016</a:t>
             </a:fld>
             <a:endParaRPr lang="en-AU"/>
           </a:p>
@@ -14867,7 +14654,7 @@
           <a:p>
             <a:fld id="{DA261D82-8DC8-458B-8902-24081A8340A2}" type="datetime1">
               <a:rPr lang="en-AU" smtClean="0"/>
-              <a:t>16/04/2016</a:t>
+              <a:t>18/04/2016</a:t>
             </a:fld>
             <a:endParaRPr lang="en-AU"/>
           </a:p>
@@ -15207,7 +14994,7 @@
           <a:p>
             <a:fld id="{420BB56F-B44B-46AA-97B1-CA041AECB16C}" type="datetime1">
               <a:rPr lang="en-AU" smtClean="0"/>
-              <a:t>16/04/2016</a:t>
+              <a:t>18/04/2016</a:t>
             </a:fld>
             <a:endParaRPr lang="en-AU"/>
           </a:p>
@@ -15503,7 +15290,7 @@
           <a:p>
             <a:fld id="{1695342B-6DF4-46BE-B3B0-0C35B6698BA5}" type="datetime1">
               <a:rPr lang="en-AU" smtClean="0"/>
-              <a:t>16/04/2016</a:t>
+              <a:t>18/04/2016</a:t>
             </a:fld>
             <a:endParaRPr lang="en-AU"/>
           </a:p>
@@ -15951,7 +15738,7 @@
           <a:p>
             <a:fld id="{5DF3D236-8947-4982-93B0-9FCFCBDDAAAA}" type="datetime1">
               <a:rPr lang="en-AU" smtClean="0"/>
-              <a:t>16/04/2016</a:t>
+              <a:t>18/04/2016</a:t>
             </a:fld>
             <a:endParaRPr lang="en-AU"/>
           </a:p>
@@ -16182,7 +15969,7 @@
           <a:p>
             <a:fld id="{07585B30-36BA-40E4-B8EC-C9A276584755}" type="datetime1">
               <a:rPr lang="en-AU" smtClean="0"/>
-              <a:t>16/04/2016</a:t>
+              <a:t>18/04/2016</a:t>
             </a:fld>
             <a:endParaRPr lang="en-AU"/>
           </a:p>
@@ -16413,7 +16200,7 @@
           <a:p>
             <a:fld id="{0101A2FF-CDC1-40C1-873E-97295C411EAE}" type="datetime1">
               <a:rPr lang="en-AU" smtClean="0"/>
-              <a:t>16/04/2016</a:t>
+              <a:t>18/04/2016</a:t>
             </a:fld>
             <a:endParaRPr lang="en-AU"/>
           </a:p>
@@ -16644,7 +16431,7 @@
           <a:p>
             <a:fld id="{BA96EB8D-2F5F-4C3C-9779-37FE3E8D3195}" type="datetime1">
               <a:rPr lang="en-AU" smtClean="0"/>
-              <a:t>16/04/2016</a:t>
+              <a:t>18/04/2016</a:t>
             </a:fld>
             <a:endParaRPr lang="en-AU"/>
           </a:p>
@@ -16875,7 +16662,7 @@
           <a:p>
             <a:fld id="{D0C959DE-A79C-459E-8034-77D6B0EBD4F3}" type="datetime1">
               <a:rPr lang="en-AU" smtClean="0"/>
-              <a:t>16/04/2016</a:t>
+              <a:t>18/04/2016</a:t>
             </a:fld>
             <a:endParaRPr lang="en-AU"/>
           </a:p>
@@ -17110,7 +16897,7 @@
           <a:p>
             <a:fld id="{C6CAFF4A-1ACD-4FAE-A33D-FFAFDD26098E}" type="datetime1">
               <a:rPr lang="en-AU" smtClean="0"/>
-              <a:t>16/04/2016</a:t>
+              <a:t>18/04/2016</a:t>
             </a:fld>
             <a:endParaRPr lang="en-AU"/>
           </a:p>
@@ -17341,7 +17128,7 @@
           <a:p>
             <a:fld id="{204F744D-E263-4258-9535-CA1100C058C5}" type="datetime1">
               <a:rPr lang="en-AU" smtClean="0"/>
-              <a:t>16/04/2016</a:t>
+              <a:t>18/04/2016</a:t>
             </a:fld>
             <a:endParaRPr lang="en-AU"/>
           </a:p>
@@ -17572,7 +17359,7 @@
           <a:p>
             <a:fld id="{E19FA2E3-1277-4A05-A117-6DAAA0A59214}" type="datetime1">
               <a:rPr lang="en-AU" smtClean="0"/>
-              <a:t>16/04/2016</a:t>
+              <a:t>18/04/2016</a:t>
             </a:fld>
             <a:endParaRPr lang="en-AU"/>
           </a:p>
@@ -17803,7 +17590,7 @@
           <a:p>
             <a:fld id="{CD818C87-C82A-4436-B0CF-391780521B37}" type="datetime1">
               <a:rPr lang="en-AU" smtClean="0"/>
-              <a:t>16/04/2016</a:t>
+              <a:t>18/04/2016</a:t>
             </a:fld>
             <a:endParaRPr lang="en-AU"/>
           </a:p>
@@ -18034,7 +17821,7 @@
           <a:p>
             <a:fld id="{FAE3E39A-5791-4850-A246-16D6E2F6AEB6}" type="datetime1">
               <a:rPr lang="en-AU" smtClean="0"/>
-              <a:t>16/04/2016</a:t>
+              <a:t>18/04/2016</a:t>
             </a:fld>
             <a:endParaRPr lang="en-AU"/>
           </a:p>
@@ -18482,7 +18269,7 @@
           <a:p>
             <a:fld id="{7C98056B-DCE9-4980-AB4F-9933835EDDF0}" type="datetime1">
               <a:rPr lang="en-AU" smtClean="0"/>
-              <a:t>16/04/2016</a:t>
+              <a:t>18/04/2016</a:t>
             </a:fld>
             <a:endParaRPr lang="en-AU"/>
           </a:p>
@@ -19775,7 +19562,7 @@
           <a:p>
             <a:fld id="{2AB80E0E-1F2C-4E6E-B168-928DCCD9FC96}" type="datetime1">
               <a:rPr lang="en-AU" smtClean="0"/>
-              <a:t>16/04/2016</a:t>
+              <a:t>18/04/2016</a:t>
             </a:fld>
             <a:endParaRPr lang="en-AU" dirty="0"/>
           </a:p>
@@ -20043,7 +19830,7 @@
             <a:fld id="{D5202F35-1E60-44E7-A8CA-65A043171768}" type="datetime1">
               <a:rPr lang="en-AU" smtClean="0"/>
               <a:pPr/>
-              <a:t>16/04/2016</a:t>
+              <a:t>18/04/2016</a:t>
             </a:fld>
             <a:endParaRPr lang="en-AU"/>
           </a:p>
@@ -20634,7 +20421,7 @@
             <a:fld id="{094FD292-6CBB-42F0-8BF6-EA5D415F7BA5}" type="datetime1">
               <a:rPr lang="en-AU" smtClean="0"/>
               <a:pPr/>
-              <a:t>16/04/2016</a:t>
+              <a:t>18/04/2016</a:t>
             </a:fld>
             <a:endParaRPr lang="en-AU" dirty="0"/>
           </a:p>
@@ -21458,7 +21245,7 @@
           <a:p>
             <a:pPr algn="ctr"/>
             <a:r>
-              <a:rPr lang="en-AU" dirty="0" smtClean="0"/>
+              <a:rPr lang="en-AU" dirty="0"/>
               <a:t>6</a:t>
             </a:r>
             <a:endParaRPr lang="en-GB" dirty="0"/>
@@ -21779,10 +21566,9 @@
           <a:p>
             <a:pPr algn="ctr"/>
             <a:r>
-              <a:rPr lang="en-AU" dirty="0" smtClean="0"/>
+              <a:rPr lang="en-AU" dirty="0"/>
               <a:t>7</a:t>
             </a:r>
-            <a:endParaRPr lang="en-AU" dirty="0"/>
           </a:p>
         </p:txBody>
       </p:sp>
@@ -21963,7 +21749,7 @@
           <a:p>
             <a:pPr algn="ctr"/>
             <a:r>
-              <a:rPr lang="en-AU" dirty="0" smtClean="0"/>
+              <a:rPr lang="en-AU" dirty="0"/>
               <a:t>8</a:t>
             </a:r>
             <a:endParaRPr lang="en-GB" dirty="0"/>
@@ -22151,7 +21937,7 @@
           <a:p>
             <a:pPr algn="ctr"/>
             <a:r>
-              <a:rPr lang="en-AU" dirty="0" smtClean="0"/>
+              <a:rPr lang="en-AU" dirty="0"/>
               <a:t>9</a:t>
             </a:r>
             <a:endParaRPr lang="en-GB" dirty="0"/>
@@ -22345,7 +22131,7 @@
           <a:p>
             <a:pPr algn="ctr"/>
             <a:r>
-              <a:rPr lang="en-AU" dirty="0" smtClean="0"/>
+              <a:rPr lang="en-AU" dirty="0"/>
               <a:t>10</a:t>
             </a:r>
             <a:endParaRPr lang="en-GB" dirty="0"/>
@@ -23223,16 +23009,12 @@
           <a:p>
             <a:r>
               <a:rPr lang="en-AU" dirty="0"/>
-              <a:t>Can directly serve out files to </a:t>
-            </a:r>
-            <a:r>
-              <a:rPr lang="en-AU" dirty="0" smtClean="0"/>
-              <a:t>users</a:t>
-            </a:r>
-          </a:p>
-          <a:p>
-            <a:r>
-              <a:rPr lang="en-AU" dirty="0" smtClean="0"/>
+              <a:t>Can directly serve out files to users</a:t>
+            </a:r>
+          </a:p>
+          <a:p>
+            <a:r>
+              <a:rPr lang="en-AU" dirty="0"/>
               <a:t>Storage layer behind majority of Azure services</a:t>
             </a:r>
             <a:endParaRPr lang="en-GB" dirty="0"/>
@@ -25948,7 +25730,7 @@
           <a:p>
             <a:pPr algn="ctr"/>
             <a:r>
-              <a:rPr lang="en-AU" dirty="0" smtClean="0"/>
+              <a:rPr lang="en-AU" dirty="0"/>
               <a:t>26</a:t>
             </a:r>
             <a:endParaRPr lang="en-GB" dirty="0"/>
@@ -26132,7 +25914,7 @@
           <a:p>
             <a:pPr algn="ctr"/>
             <a:r>
-              <a:rPr lang="en-AU" dirty="0" smtClean="0"/>
+              <a:rPr lang="en-AU" dirty="0"/>
               <a:t>27</a:t>
             </a:r>
             <a:endParaRPr lang="en-GB" dirty="0"/>
@@ -26339,7 +26121,7 @@
           <a:p>
             <a:pPr algn="ctr"/>
             <a:r>
-              <a:rPr lang="en-AU" dirty="0" smtClean="0"/>
+              <a:rPr lang="en-AU" dirty="0"/>
               <a:t>28</a:t>
             </a:r>
             <a:endParaRPr lang="en-GB" dirty="0"/>
@@ -26539,7 +26321,7 @@
           <a:p>
             <a:pPr algn="ctr"/>
             <a:r>
-              <a:rPr lang="en-AU" dirty="0" smtClean="0"/>
+              <a:rPr lang="en-AU" dirty="0"/>
               <a:t>29</a:t>
             </a:r>
             <a:endParaRPr lang="en-GB" dirty="0"/>
@@ -26747,7 +26529,7 @@
           <a:p>
             <a:pPr algn="ctr"/>
             <a:r>
-              <a:rPr lang="en-AU" dirty="0" smtClean="0"/>
+              <a:rPr lang="en-AU" dirty="0"/>
               <a:t>30</a:t>
             </a:r>
             <a:endParaRPr lang="en-GB" dirty="0"/>
@@ -27169,7 +26951,7 @@
           <a:p>
             <a:pPr algn="ctr"/>
             <a:r>
-              <a:rPr lang="en-AU" dirty="0" smtClean="0"/>
+              <a:rPr lang="en-AU" dirty="0"/>
               <a:t>31</a:t>
             </a:r>
             <a:endParaRPr lang="en-GB" dirty="0"/>
@@ -27379,7 +27161,7 @@
           <a:p>
             <a:pPr algn="ctr"/>
             <a:r>
-              <a:rPr lang="en-AU" dirty="0" smtClean="0"/>
+              <a:rPr lang="en-AU" dirty="0"/>
               <a:t>32</a:t>
             </a:r>
             <a:endParaRPr lang="en-GB" dirty="0"/>
@@ -28049,7 +27831,7 @@
           <a:p>
             <a:pPr algn="ctr"/>
             <a:r>
-              <a:rPr lang="en-AU" dirty="0" smtClean="0"/>
+              <a:rPr lang="en-AU" dirty="0"/>
               <a:t>35</a:t>
             </a:r>
             <a:endParaRPr lang="en-GB" dirty="0"/>
@@ -28233,7 +28015,7 @@
           <a:p>
             <a:pPr algn="ctr"/>
             <a:r>
-              <a:rPr lang="en-AU" dirty="0" smtClean="0"/>
+              <a:rPr lang="en-AU" dirty="0"/>
               <a:t>36</a:t>
             </a:r>
             <a:endParaRPr lang="en-GB" dirty="0"/>
@@ -28413,7 +28195,7 @@
           <a:p>
             <a:pPr algn="ctr"/>
             <a:r>
-              <a:rPr lang="en-AU" dirty="0" smtClean="0"/>
+              <a:rPr lang="en-AU" dirty="0"/>
               <a:t>37</a:t>
             </a:r>
             <a:endParaRPr lang="en-GB" dirty="0"/>
@@ -28597,7 +28379,7 @@
           <a:p>
             <a:pPr algn="ctr"/>
             <a:r>
-              <a:rPr lang="en-AU" dirty="0" smtClean="0"/>
+              <a:rPr lang="en-AU" dirty="0"/>
               <a:t>38</a:t>
             </a:r>
             <a:endParaRPr lang="en-GB" dirty="0"/>
@@ -28781,7 +28563,7 @@
           <a:p>
             <a:pPr algn="ctr"/>
             <a:r>
-              <a:rPr lang="en-AU" dirty="0" smtClean="0"/>
+              <a:rPr lang="en-AU" dirty="0"/>
               <a:t>39</a:t>
             </a:r>
             <a:endParaRPr lang="en-GB" dirty="0"/>
@@ -29294,7 +29076,7 @@
           <a:p>
             <a:pPr algn="ctr"/>
             <a:r>
-              <a:rPr lang="en-AU" dirty="0" smtClean="0"/>
+              <a:rPr lang="en-AU" dirty="0"/>
               <a:t>40</a:t>
             </a:r>
             <a:endParaRPr lang="en-GB" dirty="0"/>
@@ -29472,7 +29254,7 @@
           <a:p>
             <a:pPr algn="ctr"/>
             <a:r>
-              <a:rPr lang="en-AU" dirty="0" smtClean="0"/>
+              <a:rPr lang="en-AU" dirty="0"/>
               <a:t>41</a:t>
             </a:r>
             <a:endParaRPr lang="en-GB" dirty="0"/>
@@ -29656,7 +29438,7 @@
           <a:p>
             <a:pPr algn="ctr"/>
             <a:r>
-              <a:rPr lang="en-AU" dirty="0" smtClean="0"/>
+              <a:rPr lang="en-AU" dirty="0"/>
               <a:t>42</a:t>
             </a:r>
             <a:endParaRPr lang="en-GB" dirty="0"/>
@@ -29840,7 +29622,7 @@
           <a:p>
             <a:pPr algn="ctr"/>
             <a:r>
-              <a:rPr lang="en-AU" dirty="0" smtClean="0"/>
+              <a:rPr lang="en-AU" dirty="0"/>
               <a:t>43</a:t>
             </a:r>
             <a:endParaRPr lang="en-GB" dirty="0"/>
@@ -30029,7 +29811,7 @@
           <a:p>
             <a:pPr algn="ctr"/>
             <a:r>
-              <a:rPr lang="en-AU" dirty="0" smtClean="0"/>
+              <a:rPr lang="en-AU" dirty="0"/>
               <a:t>44</a:t>
             </a:r>
             <a:endParaRPr lang="en-GB" dirty="0"/>
@@ -30483,7 +30265,7 @@
           <a:lstStyle/>
           <a:p>
             <a:r>
-              <a:rPr lang="en-AU" smtClean="0"/>
+              <a:rPr lang="en-AU"/>
               <a:t>Azure Containers</a:t>
             </a:r>
             <a:endParaRPr lang="en-GB" dirty="0"/>
@@ -31808,6 +31590,15 @@
 </file>
 
 <file path=customXml/item1.xml><?xml version="1.0" encoding="utf-8"?>
+<?mso-contentType ?>
+<FormTemplates xmlns="http://schemas.microsoft.com/sharepoint/v3/contenttype/forms">
+  <Display>DocumentLibraryForm</Display>
+  <Edit>DocumentLibraryForm</Edit>
+  <New>DocumentLibraryForm</New>
+</FormTemplates>
+</file>
+
+<file path=customXml/item2.xml><?xml version="1.0" encoding="utf-8"?>
 <p:properties xmlns:p="http://schemas.microsoft.com/office/2006/metadata/properties" xmlns:xsi="http://www.w3.org/2001/XMLSchema-instance" xmlns:pc="http://schemas.microsoft.com/office/infopath/2007/PartnerControls">
   <documentManagement>
     <SharedWithUsers xmlns="a0705aab-28ed-4f14-9e72-801ff7570ecf">
@@ -31819,15 +31610,6 @@
     </SharedWithUsers>
   </documentManagement>
 </p:properties>
-</file>
-
-<file path=customXml/item2.xml><?xml version="1.0" encoding="utf-8"?>
-<?mso-contentType ?>
-<FormTemplates xmlns="http://schemas.microsoft.com/sharepoint/v3/contenttype/forms">
-  <Display>DocumentLibraryForm</Display>
-  <Edit>DocumentLibraryForm</Edit>
-  <New>DocumentLibraryForm</New>
-</FormTemplates>
 </file>
 
 <file path=customXml/item3.xml><?xml version="1.0" encoding="utf-8"?>
@@ -31985,6 +31767,14 @@
 </file>
 
 <file path=customXml/itemProps1.xml><?xml version="1.0" encoding="utf-8"?>
+<ds:datastoreItem xmlns:ds="http://schemas.openxmlformats.org/officeDocument/2006/customXml" ds:itemID="{B72FCBA9-0E7F-4D64-B543-2B2870B85E8B}">
+  <ds:schemaRefs>
+    <ds:schemaRef ds:uri="http://schemas.microsoft.com/sharepoint/v3/contenttype/forms"/>
+  </ds:schemaRefs>
+</ds:datastoreItem>
+</file>
+
+<file path=customXml/itemProps2.xml><?xml version="1.0" encoding="utf-8"?>
 <ds:datastoreItem xmlns:ds="http://schemas.openxmlformats.org/officeDocument/2006/customXml" ds:itemID="{1B9FA1EF-CD23-4139-920B-9EDB05CD48C7}">
   <ds:schemaRefs>
     <ds:schemaRef ds:uri="http://purl.org/dc/dcmitype/"/>
@@ -31996,14 +31786,6 @@
     <ds:schemaRef ds:uri="http://purl.org/dc/terms/"/>
     <ds:schemaRef ds:uri="http://schemas.openxmlformats.org/package/2006/metadata/core-properties"/>
     <ds:schemaRef ds:uri="http://www.w3.org/XML/1998/namespace"/>
-  </ds:schemaRefs>
-</ds:datastoreItem>
-</file>
-
-<file path=customXml/itemProps2.xml><?xml version="1.0" encoding="utf-8"?>
-<ds:datastoreItem xmlns:ds="http://schemas.openxmlformats.org/officeDocument/2006/customXml" ds:itemID="{B72FCBA9-0E7F-4D64-B543-2B2870B85E8B}">
-  <ds:schemaRefs>
-    <ds:schemaRef ds:uri="http://schemas.microsoft.com/sharepoint/v3/contenttype/forms"/>
   </ds:schemaRefs>
 </ds:datastoreItem>
 </file>
